--- a/slides/TensorFlow for Software Engineers.pptx
+++ b/slides/TensorFlow for Software Engineers.pptx
@@ -367,7 +367,7 @@
           <a:p>
             <a:fld id="{4F5FA5A1-9A0B-497F-AA35-975F1529C1C8}" type="datetimeFigureOut">
               <a:rPr lang="en-US" smtClean="0"/>
-              <a:t>4/24/2018</a:t>
+              <a:t>4/26/2018</a:t>
             </a:fld>
             <a:endParaRPr lang="en-US"/>
           </a:p>
@@ -575,7 +575,7 @@
           <a:p>
             <a:fld id="{4F5FA5A1-9A0B-497F-AA35-975F1529C1C8}" type="datetimeFigureOut">
               <a:rPr lang="en-US" smtClean="0"/>
-              <a:t>4/24/2018</a:t>
+              <a:t>4/26/2018</a:t>
             </a:fld>
             <a:endParaRPr lang="en-US"/>
           </a:p>
@@ -831,7 +831,7 @@
           <a:p>
             <a:fld id="{4F5FA5A1-9A0B-497F-AA35-975F1529C1C8}" type="datetimeFigureOut">
               <a:rPr lang="en-US" smtClean="0"/>
-              <a:t>4/24/2018</a:t>
+              <a:t>4/26/2018</a:t>
             </a:fld>
             <a:endParaRPr lang="en-US"/>
           </a:p>
@@ -1005,7 +1005,7 @@
           <a:p>
             <a:fld id="{4F5FA5A1-9A0B-497F-AA35-975F1529C1C8}" type="datetimeFigureOut">
               <a:rPr lang="en-US" smtClean="0"/>
-              <a:t>4/24/2018</a:t>
+              <a:t>4/26/2018</a:t>
             </a:fld>
             <a:endParaRPr lang="en-US"/>
           </a:p>
@@ -1348,7 +1348,7 @@
           <a:p>
             <a:fld id="{4F5FA5A1-9A0B-497F-AA35-975F1529C1C8}" type="datetimeFigureOut">
               <a:rPr lang="en-US" smtClean="0"/>
-              <a:t>4/24/2018</a:t>
+              <a:t>4/26/2018</a:t>
             </a:fld>
             <a:endParaRPr lang="en-US"/>
           </a:p>
@@ -1623,7 +1623,7 @@
           <a:p>
             <a:fld id="{4F5FA5A1-9A0B-497F-AA35-975F1529C1C8}" type="datetimeFigureOut">
               <a:rPr lang="en-US" smtClean="0"/>
-              <a:t>4/24/2018</a:t>
+              <a:t>4/26/2018</a:t>
             </a:fld>
             <a:endParaRPr lang="en-US"/>
           </a:p>
@@ -2002,7 +2002,7 @@
           <a:p>
             <a:fld id="{4F5FA5A1-9A0B-497F-AA35-975F1529C1C8}" type="datetimeFigureOut">
               <a:rPr lang="en-US" smtClean="0"/>
-              <a:t>4/24/2018</a:t>
+              <a:t>4/26/2018</a:t>
             </a:fld>
             <a:endParaRPr lang="en-US"/>
           </a:p>
@@ -2120,7 +2120,7 @@
           <a:p>
             <a:fld id="{4F5FA5A1-9A0B-497F-AA35-975F1529C1C8}" type="datetimeFigureOut">
               <a:rPr lang="en-US" smtClean="0"/>
-              <a:t>4/24/2018</a:t>
+              <a:t>4/26/2018</a:t>
             </a:fld>
             <a:endParaRPr lang="en-US"/>
           </a:p>
@@ -2291,7 +2291,7 @@
           <a:p>
             <a:fld id="{4F5FA5A1-9A0B-497F-AA35-975F1529C1C8}" type="datetimeFigureOut">
               <a:rPr lang="en-US" smtClean="0"/>
-              <a:t>4/24/2018</a:t>
+              <a:t>4/26/2018</a:t>
             </a:fld>
             <a:endParaRPr lang="en-US"/>
           </a:p>
@@ -2645,7 +2645,7 @@
           <a:p>
             <a:fld id="{4F5FA5A1-9A0B-497F-AA35-975F1529C1C8}" type="datetimeFigureOut">
               <a:rPr lang="en-US" smtClean="0"/>
-              <a:t>4/24/2018</a:t>
+              <a:t>4/26/2018</a:t>
             </a:fld>
             <a:endParaRPr lang="en-US"/>
           </a:p>
@@ -3027,7 +3027,7 @@
           <a:p>
             <a:fld id="{4F5FA5A1-9A0B-497F-AA35-975F1529C1C8}" type="datetimeFigureOut">
               <a:rPr lang="en-US" smtClean="0"/>
-              <a:t>4/24/2018</a:t>
+              <a:t>4/26/2018</a:t>
             </a:fld>
             <a:endParaRPr lang="en-US"/>
           </a:p>
@@ -3314,7 +3314,7 @@
           <a:p>
             <a:fld id="{4F5FA5A1-9A0B-497F-AA35-975F1529C1C8}" type="datetimeFigureOut">
               <a:rPr lang="en-US" smtClean="0"/>
-              <a:t>4/24/2018</a:t>
+              <a:t>4/26/2018</a:t>
             </a:fld>
             <a:endParaRPr lang="en-US"/>
           </a:p>
@@ -3884,10 +3884,15 @@
             <p:ph type="subTitle" idx="1"/>
           </p:nvPr>
         </p:nvSpPr>
-        <p:spPr/>
+        <p:spPr>
+          <a:xfrm>
+            <a:off x="1100051" y="4455619"/>
+            <a:ext cx="10058400" cy="1588833"/>
+          </a:xfrm>
+        </p:spPr>
         <p:txBody>
           <a:bodyPr>
-            <a:normAutofit fontScale="47500" lnSpcReduction="20000"/>
+            <a:normAutofit fontScale="25000" lnSpcReduction="20000"/>
           </a:bodyPr>
           <a:lstStyle/>
           <a:p>
@@ -3908,6 +3913,56 @@
               <a:rPr lang="en-US" dirty="0"/>
               <a:t>by Vladimir Dorokhov</a:t>
             </a:r>
+          </a:p>
+          <a:p>
+            <a:pPr algn="r"/>
+            <a:r>
+              <a:rPr lang="en-US" dirty="0">
+                <a:hlinkClick r:id="rId2"/>
+              </a:rPr>
+              <a:t>https://twitter.com/dorokhov_v</a:t>
+            </a:r>
+            <a:endParaRPr lang="en-US" dirty="0"/>
+          </a:p>
+          <a:p>
+            <a:pPr algn="r"/>
+            <a:r>
+              <a:rPr lang="en-US" dirty="0">
+                <a:hlinkClick r:id="rId3"/>
+              </a:rPr>
+              <a:t>https://github.com/Dorokhov</a:t>
+            </a:r>
+            <a:endParaRPr lang="en-US" dirty="0"/>
+          </a:p>
+          <a:p>
+            <a:pPr algn="r"/>
+            <a:r>
+              <a:rPr lang="en-US" dirty="0" err="1">
+                <a:hlinkClick r:id="rId4"/>
+              </a:rPr>
+              <a:t>Dorokhov.</a:t>
+            </a:r>
+            <a:r>
+              <a:rPr lang="en-US" err="1">
+                <a:hlinkClick r:id="rId4"/>
+              </a:rPr>
+              <a:t>Vladimir</a:t>
+            </a:r>
+            <a:r>
+              <a:rPr lang="en-US">
+                <a:hlinkClick r:id="rId4"/>
+              </a:rPr>
+              <a:t>@gmail.com</a:t>
+            </a:r>
+            <a:endParaRPr lang="en-US"/>
+          </a:p>
+          <a:p>
+            <a:pPr algn="r"/>
+            <a:endParaRPr lang="en-US" dirty="0"/>
+          </a:p>
+          <a:p>
+            <a:pPr algn="r"/>
+            <a:endParaRPr lang="en-US" dirty="0"/>
           </a:p>
         </p:txBody>
       </p:sp>
